--- a/lectures/07_binary_classification_n_to_1/0_ML_workflow_breast_cancer.pptx
+++ b/lectures/07_binary_classification_n_to_1/0_ML_workflow_breast_cancer.pptx
@@ -5,7 +5,7 @@
     <p:sldMasterId id="2147483648" r:id="rId1"/>
   </p:sldMasterIdLst>
   <p:notesMasterIdLst>
-    <p:notesMasterId r:id="rId17"/>
+    <p:notesMasterId r:id="rId18"/>
   </p:notesMasterIdLst>
   <p:sldIdLst>
     <p:sldId id="256" r:id="rId2"/>
@@ -13,16 +13,17 @@
     <p:sldId id="258" r:id="rId4"/>
     <p:sldId id="259" r:id="rId5"/>
     <p:sldId id="260" r:id="rId6"/>
-    <p:sldId id="261" r:id="rId7"/>
-    <p:sldId id="262" r:id="rId8"/>
-    <p:sldId id="263" r:id="rId9"/>
-    <p:sldId id="264" r:id="rId10"/>
-    <p:sldId id="265" r:id="rId11"/>
-    <p:sldId id="266" r:id="rId12"/>
-    <p:sldId id="267" r:id="rId13"/>
-    <p:sldId id="268" r:id="rId14"/>
-    <p:sldId id="269" r:id="rId15"/>
-    <p:sldId id="270" r:id="rId16"/>
+    <p:sldId id="271" r:id="rId7"/>
+    <p:sldId id="261" r:id="rId8"/>
+    <p:sldId id="262" r:id="rId9"/>
+    <p:sldId id="263" r:id="rId10"/>
+    <p:sldId id="264" r:id="rId11"/>
+    <p:sldId id="265" r:id="rId12"/>
+    <p:sldId id="266" r:id="rId13"/>
+    <p:sldId id="267" r:id="rId14"/>
+    <p:sldId id="268" r:id="rId15"/>
+    <p:sldId id="269" r:id="rId16"/>
+    <p:sldId id="270" r:id="rId17"/>
   </p:sldIdLst>
   <p:sldSz cx="12192000" cy="6858000"/>
   <p:notesSz cx="6858000" cy="9144000"/>
@@ -132,7 +133,7 @@
 <file path=ppt/revisionInfo.xml><?xml version="1.0" encoding="utf-8"?>
 <p1510:revInfo xmlns:a="http://schemas.openxmlformats.org/drawingml/2006/main" xmlns:r="http://schemas.openxmlformats.org/officeDocument/2006/relationships" xmlns:p1510="http://schemas.microsoft.com/office/powerpoint/2015/10/main">
   <p1510:revLst>
-    <p1510:client id="{30C724EF-4842-4D28-AD5E-F8ADBCCE7FC4}" v="12" dt="2025-05-08T01:41:16.952"/>
+    <p1510:client id="{30C724EF-4842-4D28-AD5E-F8ADBCCE7FC4}" v="21" dt="2025-05-22T20:20:02.095"/>
   </p1510:revLst>
 </p1510:revInfo>
 </file>
@@ -593,7 +594,7 @@
   <pc:docChgLst>
     <pc:chgData name="Weifeng Xu" userId="e7aed605-a3dd-4d5a-a692-a87037af107b" providerId="ADAL" clId="{30C724EF-4842-4D28-AD5E-F8ADBCCE7FC4}"/>
     <pc:docChg chg="undo custSel addSld delSld modSld">
-      <pc:chgData name="Weifeng Xu" userId="e7aed605-a3dd-4d5a-a692-a87037af107b" providerId="ADAL" clId="{30C724EF-4842-4D28-AD5E-F8ADBCCE7FC4}" dt="2025-05-08T01:41:16.952" v="194" actId="21"/>
+      <pc:chgData name="Weifeng Xu" userId="e7aed605-a3dd-4d5a-a692-a87037af107b" providerId="ADAL" clId="{30C724EF-4842-4D28-AD5E-F8ADBCCE7FC4}" dt="2025-05-22T20:21:24.936" v="258" actId="27636"/>
       <pc:docMkLst>
         <pc:docMk/>
       </pc:docMkLst>
@@ -710,14 +711,14 @@
           </ac:spMkLst>
         </pc:spChg>
       </pc:sldChg>
-      <pc:sldChg chg="addSp modSp new mod">
-        <pc:chgData name="Weifeng Xu" userId="e7aed605-a3dd-4d5a-a692-a87037af107b" providerId="ADAL" clId="{30C724EF-4842-4D28-AD5E-F8ADBCCE7FC4}" dt="2025-05-08T01:40:21.789" v="192" actId="6549"/>
+      <pc:sldChg chg="addSp delSp modSp new mod modClrScheme chgLayout">
+        <pc:chgData name="Weifeng Xu" userId="e7aed605-a3dd-4d5a-a692-a87037af107b" providerId="ADAL" clId="{30C724EF-4842-4D28-AD5E-F8ADBCCE7FC4}" dt="2025-05-22T20:19:44.453" v="225" actId="14100"/>
         <pc:sldMkLst>
           <pc:docMk/>
           <pc:sldMk cId="1123301564" sldId="260"/>
         </pc:sldMkLst>
         <pc:spChg chg="mod">
-          <ac:chgData name="Weifeng Xu" userId="e7aed605-a3dd-4d5a-a692-a87037af107b" providerId="ADAL" clId="{30C724EF-4842-4D28-AD5E-F8ADBCCE7FC4}" dt="2025-05-02T14:31:14.787" v="54" actId="108"/>
+          <ac:chgData name="Weifeng Xu" userId="e7aed605-a3dd-4d5a-a692-a87037af107b" providerId="ADAL" clId="{30C724EF-4842-4D28-AD5E-F8ADBCCE7FC4}" dt="2025-05-22T20:19:17.588" v="218" actId="26606"/>
           <ac:spMkLst>
             <pc:docMk/>
             <pc:sldMk cId="1123301564" sldId="260"/>
@@ -725,21 +726,37 @@
           </ac:spMkLst>
         </pc:spChg>
         <pc:spChg chg="mod">
-          <ac:chgData name="Weifeng Xu" userId="e7aed605-a3dd-4d5a-a692-a87037af107b" providerId="ADAL" clId="{30C724EF-4842-4D28-AD5E-F8ADBCCE7FC4}" dt="2025-05-08T01:40:21.789" v="192" actId="6549"/>
+          <ac:chgData name="Weifeng Xu" userId="e7aed605-a3dd-4d5a-a692-a87037af107b" providerId="ADAL" clId="{30C724EF-4842-4D28-AD5E-F8ADBCCE7FC4}" dt="2025-05-22T20:19:20.427" v="220" actId="27636"/>
           <ac:spMkLst>
             <pc:docMk/>
             <pc:sldMk cId="1123301564" sldId="260"/>
             <ac:spMk id="3" creationId="{47B05E4A-7278-F4F3-0E91-56300A2375FC}"/>
           </ac:spMkLst>
         </pc:spChg>
-        <pc:picChg chg="add mod modCrop">
-          <ac:chgData name="Weifeng Xu" userId="e7aed605-a3dd-4d5a-a692-a87037af107b" providerId="ADAL" clId="{30C724EF-4842-4D28-AD5E-F8ADBCCE7FC4}" dt="2025-05-02T15:07:43.406" v="100" actId="1076"/>
+        <pc:picChg chg="add mod">
+          <ac:chgData name="Weifeng Xu" userId="e7aed605-a3dd-4d5a-a692-a87037af107b" providerId="ADAL" clId="{30C724EF-4842-4D28-AD5E-F8ADBCCE7FC4}" dt="2025-05-22T20:19:25.413" v="222" actId="1076"/>
+          <ac:picMkLst>
+            <pc:docMk/>
+            <pc:sldMk cId="1123301564" sldId="260"/>
+            <ac:picMk id="4" creationId="{3CD39D91-B91A-655F-C9B4-E6CFEADED1E6}"/>
+          </ac:picMkLst>
+        </pc:picChg>
+        <pc:picChg chg="add del mod modCrop">
+          <ac:chgData name="Weifeng Xu" userId="e7aed605-a3dd-4d5a-a692-a87037af107b" providerId="ADAL" clId="{30C724EF-4842-4D28-AD5E-F8ADBCCE7FC4}" dt="2025-05-22T20:18:55.975" v="212" actId="478"/>
           <ac:picMkLst>
             <pc:docMk/>
             <pc:sldMk cId="1123301564" sldId="260"/>
             <ac:picMk id="5" creationId="{C9283F90-D440-3130-5B88-27E7B23BE9ED}"/>
           </ac:picMkLst>
         </pc:picChg>
+        <pc:cxnChg chg="add mod">
+          <ac:chgData name="Weifeng Xu" userId="e7aed605-a3dd-4d5a-a692-a87037af107b" providerId="ADAL" clId="{30C724EF-4842-4D28-AD5E-F8ADBCCE7FC4}" dt="2025-05-22T20:19:44.453" v="225" actId="14100"/>
+          <ac:cxnSpMkLst>
+            <pc:docMk/>
+            <pc:sldMk cId="1123301564" sldId="260"/>
+            <ac:cxnSpMk id="7" creationId="{3CF8EF30-A3B6-523C-B770-7F69DFE68815}"/>
+          </ac:cxnSpMkLst>
+        </pc:cxnChg>
       </pc:sldChg>
       <pc:sldChg chg="del">
         <pc:chgData name="Weifeng Xu" userId="e7aed605-a3dd-4d5a-a692-a87037af107b" providerId="ADAL" clId="{30C724EF-4842-4D28-AD5E-F8ADBCCE7FC4}" dt="2025-05-02T14:26:33.278" v="3" actId="47"/>
@@ -1069,6 +1086,53 @@
           <pc:docMk/>
           <pc:sldMk cId="1121307659" sldId="271"/>
         </pc:sldMkLst>
+      </pc:sldChg>
+      <pc:sldChg chg="addSp delSp modSp new mod modClrScheme chgLayout">
+        <pc:chgData name="Weifeng Xu" userId="e7aed605-a3dd-4d5a-a692-a87037af107b" providerId="ADAL" clId="{30C724EF-4842-4D28-AD5E-F8ADBCCE7FC4}" dt="2025-05-22T20:21:24.936" v="258" actId="27636"/>
+        <pc:sldMkLst>
+          <pc:docMk/>
+          <pc:sldMk cId="3037065150" sldId="271"/>
+        </pc:sldMkLst>
+        <pc:spChg chg="del mod ord">
+          <ac:chgData name="Weifeng Xu" userId="e7aed605-a3dd-4d5a-a692-a87037af107b" providerId="ADAL" clId="{30C724EF-4842-4D28-AD5E-F8ADBCCE7FC4}" dt="2025-05-22T20:18:24.610" v="196" actId="700"/>
+          <ac:spMkLst>
+            <pc:docMk/>
+            <pc:sldMk cId="3037065150" sldId="271"/>
+            <ac:spMk id="2" creationId="{38D07905-A5A0-E132-762B-B41DF4E737EA}"/>
+          </ac:spMkLst>
+        </pc:spChg>
+        <pc:spChg chg="del">
+          <ac:chgData name="Weifeng Xu" userId="e7aed605-a3dd-4d5a-a692-a87037af107b" providerId="ADAL" clId="{30C724EF-4842-4D28-AD5E-F8ADBCCE7FC4}" dt="2025-05-22T20:18:24.610" v="196" actId="700"/>
+          <ac:spMkLst>
+            <pc:docMk/>
+            <pc:sldMk cId="3037065150" sldId="271"/>
+            <ac:spMk id="3" creationId="{FA42BAD0-8BB0-42C1-51BC-68742F306E52}"/>
+          </ac:spMkLst>
+        </pc:spChg>
+        <pc:spChg chg="add mod ord">
+          <ac:chgData name="Weifeng Xu" userId="e7aed605-a3dd-4d5a-a692-a87037af107b" providerId="ADAL" clId="{30C724EF-4842-4D28-AD5E-F8ADBCCE7FC4}" dt="2025-05-22T20:20:12.482" v="233" actId="700"/>
+          <ac:spMkLst>
+            <pc:docMk/>
+            <pc:sldMk cId="3037065150" sldId="271"/>
+            <ac:spMk id="4" creationId="{8A50DB89-3275-89D1-D1DF-59F2CBB77D05}"/>
+          </ac:spMkLst>
+        </pc:spChg>
+        <pc:spChg chg="add mod ord">
+          <ac:chgData name="Weifeng Xu" userId="e7aed605-a3dd-4d5a-a692-a87037af107b" providerId="ADAL" clId="{30C724EF-4842-4D28-AD5E-F8ADBCCE7FC4}" dt="2025-05-22T20:21:24.936" v="258" actId="27636"/>
+          <ac:spMkLst>
+            <pc:docMk/>
+            <pc:sldMk cId="3037065150" sldId="271"/>
+            <ac:spMk id="6" creationId="{F0FF6C0B-5FD1-6159-F496-34C3D4010FBD}"/>
+          </ac:spMkLst>
+        </pc:spChg>
+        <pc:picChg chg="add mod">
+          <ac:chgData name="Weifeng Xu" userId="e7aed605-a3dd-4d5a-a692-a87037af107b" providerId="ADAL" clId="{30C724EF-4842-4D28-AD5E-F8ADBCCE7FC4}" dt="2025-05-22T20:20:02.094" v="232" actId="14100"/>
+          <ac:picMkLst>
+            <pc:docMk/>
+            <pc:sldMk cId="3037065150" sldId="271"/>
+            <ac:picMk id="5" creationId="{9F3EA8F2-A4A2-57B9-104A-5607C1F02E9E}"/>
+          </ac:picMkLst>
+        </pc:picChg>
       </pc:sldChg>
       <pc:sldChg chg="del">
         <pc:chgData name="Weifeng Xu" userId="e7aed605-a3dd-4d5a-a692-a87037af107b" providerId="ADAL" clId="{30C724EF-4842-4D28-AD5E-F8ADBCCE7FC4}" dt="2025-05-02T14:26:34.596" v="10" actId="47"/>
@@ -1550,7 +1614,7 @@
           <a:p>
             <a:fld id="{2A59A54D-A59E-4D85-AEC9-D5AFF867AB55}" type="datetimeFigureOut">
               <a:rPr lang="en-US" smtClean="0"/>
-              <a:t>5/7/2025</a:t>
+              <a:t>5/22/2025</a:t>
             </a:fld>
             <a:endParaRPr lang="en-US"/>
           </a:p>
@@ -1946,7 +2010,7 @@
           <a:p>
             <a:fld id="{4263717A-E3C1-4BED-ABE0-B7069385E023}" type="datetimeFigureOut">
               <a:rPr lang="en-US" smtClean="0"/>
-              <a:t>5/7/2025</a:t>
+              <a:t>5/22/2025</a:t>
             </a:fld>
             <a:endParaRPr lang="en-US"/>
           </a:p>
@@ -2119,7 +2183,7 @@
           <a:p>
             <a:fld id="{4263717A-E3C1-4BED-ABE0-B7069385E023}" type="datetimeFigureOut">
               <a:rPr lang="en-US" smtClean="0"/>
-              <a:t>5/7/2025</a:t>
+              <a:t>5/22/2025</a:t>
             </a:fld>
             <a:endParaRPr lang="en-US"/>
           </a:p>
@@ -2297,7 +2361,7 @@
           <a:p>
             <a:fld id="{4263717A-E3C1-4BED-ABE0-B7069385E023}" type="datetimeFigureOut">
               <a:rPr lang="en-US" smtClean="0"/>
-              <a:t>5/7/2025</a:t>
+              <a:t>5/22/2025</a:t>
             </a:fld>
             <a:endParaRPr lang="en-US"/>
           </a:p>
@@ -2465,7 +2529,7 @@
           <a:p>
             <a:fld id="{4263717A-E3C1-4BED-ABE0-B7069385E023}" type="datetimeFigureOut">
               <a:rPr lang="en-US" smtClean="0"/>
-              <a:t>5/7/2025</a:t>
+              <a:t>5/22/2025</a:t>
             </a:fld>
             <a:endParaRPr lang="en-US"/>
           </a:p>
@@ -2710,7 +2774,7 @@
           <a:p>
             <a:fld id="{4263717A-E3C1-4BED-ABE0-B7069385E023}" type="datetimeFigureOut">
               <a:rPr lang="en-US" smtClean="0"/>
-              <a:t>5/7/2025</a:t>
+              <a:t>5/22/2025</a:t>
             </a:fld>
             <a:endParaRPr lang="en-US"/>
           </a:p>
@@ -2939,7 +3003,7 @@
           <a:p>
             <a:fld id="{4263717A-E3C1-4BED-ABE0-B7069385E023}" type="datetimeFigureOut">
               <a:rPr lang="en-US" smtClean="0"/>
-              <a:t>5/7/2025</a:t>
+              <a:t>5/22/2025</a:t>
             </a:fld>
             <a:endParaRPr lang="en-US"/>
           </a:p>
@@ -3303,7 +3367,7 @@
           <a:p>
             <a:fld id="{4263717A-E3C1-4BED-ABE0-B7069385E023}" type="datetimeFigureOut">
               <a:rPr lang="en-US" smtClean="0"/>
-              <a:t>5/7/2025</a:t>
+              <a:t>5/22/2025</a:t>
             </a:fld>
             <a:endParaRPr lang="en-US"/>
           </a:p>
@@ -3420,7 +3484,7 @@
           <a:p>
             <a:fld id="{4263717A-E3C1-4BED-ABE0-B7069385E023}" type="datetimeFigureOut">
               <a:rPr lang="en-US" smtClean="0"/>
-              <a:t>5/7/2025</a:t>
+              <a:t>5/22/2025</a:t>
             </a:fld>
             <a:endParaRPr lang="en-US"/>
           </a:p>
@@ -3515,7 +3579,7 @@
           <a:p>
             <a:fld id="{4263717A-E3C1-4BED-ABE0-B7069385E023}" type="datetimeFigureOut">
               <a:rPr lang="en-US" smtClean="0"/>
-              <a:t>5/7/2025</a:t>
+              <a:t>5/22/2025</a:t>
             </a:fld>
             <a:endParaRPr lang="en-US"/>
           </a:p>
@@ -3790,7 +3854,7 @@
           <a:p>
             <a:fld id="{4263717A-E3C1-4BED-ABE0-B7069385E023}" type="datetimeFigureOut">
               <a:rPr lang="en-US" smtClean="0"/>
-              <a:t>5/7/2025</a:t>
+              <a:t>5/22/2025</a:t>
             </a:fld>
             <a:endParaRPr lang="en-US"/>
           </a:p>
@@ -4042,7 +4106,7 @@
           <a:p>
             <a:fld id="{4263717A-E3C1-4BED-ABE0-B7069385E023}" type="datetimeFigureOut">
               <a:rPr lang="en-US" smtClean="0"/>
-              <a:t>5/7/2025</a:t>
+              <a:t>5/22/2025</a:t>
             </a:fld>
             <a:endParaRPr lang="en-US"/>
           </a:p>
@@ -4261,7 +4325,7 @@
           <a:p>
             <a:fld id="{4263717A-E3C1-4BED-ABE0-B7069385E023}" type="datetimeFigureOut">
               <a:rPr lang="en-US" smtClean="0"/>
-              <a:t>5/7/2025</a:t>
+              <a:t>5/22/2025</a:t>
             </a:fld>
             <a:endParaRPr lang="en-US"/>
           </a:p>
@@ -4788,7 +4852,7 @@
           <p:cNvPr id="2" name="Title 1">
             <a:extLst>
               <a:ext uri="{FF2B5EF4-FFF2-40B4-BE49-F238E27FC236}">
-                <a16:creationId xmlns:a16="http://schemas.microsoft.com/office/drawing/2014/main" id="{AEEC6A4F-D611-9574-251F-6F3AC3DF26C2}"/>
+                <a16:creationId xmlns:a16="http://schemas.microsoft.com/office/drawing/2014/main" id="{6D4F43EA-2007-B207-DD77-15D8A22C55FE}"/>
               </a:ext>
             </a:extLst>
           </p:cNvPr>
@@ -4806,7 +4870,7 @@
           <a:p>
             <a:r>
               <a:rPr lang="en-GB" dirty="0"/>
-              <a:t>Step 8 - Deploy and Monitor</a:t>
+              <a:t>Step 7 - Tune and Improve</a:t>
             </a:r>
             <a:endParaRPr lang="en-US" dirty="0"/>
           </a:p>
@@ -4817,7 +4881,7 @@
           <p:cNvPr id="3" name="Content Placeholder 2">
             <a:extLst>
               <a:ext uri="{FF2B5EF4-FFF2-40B4-BE49-F238E27FC236}">
-                <a16:creationId xmlns:a16="http://schemas.microsoft.com/office/drawing/2014/main" id="{E61BBA5C-A936-54DA-58F7-34C3DCDD3474}"/>
+                <a16:creationId xmlns:a16="http://schemas.microsoft.com/office/drawing/2014/main" id="{B554FC04-768B-6611-B3C3-72F571FD329D}"/>
               </a:ext>
             </a:extLst>
           </p:cNvPr>
@@ -4839,7 +4903,7 @@
             </a:pPr>
             <a:r>
               <a:rPr lang="en-GB" dirty="0"/>
-              <a:t>Deploy the model</a:t>
+              <a:t>Hyperparameter Tuning</a:t>
             </a:r>
           </a:p>
           <a:p>
@@ -4849,7 +4913,7 @@
             </a:pPr>
             <a:r>
               <a:rPr lang="en-GB" dirty="0"/>
-              <a:t>Integrate into production systems (e.g., web app, mobile app)</a:t>
+              <a:t>Adjust learning rate, number of epochs, model architecture</a:t>
             </a:r>
           </a:p>
           <a:p>
@@ -4859,7 +4923,7 @@
             </a:pPr>
             <a:r>
               <a:rPr lang="en-GB" dirty="0"/>
-              <a:t>Example: API for real-time cancer diagnosis</a:t>
+              <a:t>Use grid search or random search</a:t>
             </a:r>
           </a:p>
           <a:p>
@@ -4869,7 +4933,7 @@
             </a:pPr>
             <a:r>
               <a:rPr lang="en-GB" dirty="0"/>
-              <a:t>Monitor performance</a:t>
+              <a:t>Address Overfitting</a:t>
             </a:r>
           </a:p>
           <a:p>
@@ -4879,7 +4943,7 @@
             </a:pPr>
             <a:r>
               <a:rPr lang="en-GB" dirty="0"/>
-              <a:t>Track predictions, detect data drift</a:t>
+              <a:t>Regularization, dropout, simpler models</a:t>
             </a:r>
           </a:p>
           <a:p>
@@ -4889,7 +4953,7 @@
             </a:pPr>
             <a:r>
               <a:rPr lang="en-GB" dirty="0"/>
-              <a:t>Maintain the model</a:t>
+              <a:t>Feature Selection</a:t>
             </a:r>
           </a:p>
           <a:p>
@@ -4899,7 +4963,7 @@
             </a:pPr>
             <a:r>
               <a:rPr lang="en-GB" dirty="0"/>
-              <a:t>Retrain with new data, update as needed</a:t>
+              <a:t>Remove irrelevant or redundant features</a:t>
             </a:r>
           </a:p>
           <a:p>
@@ -4909,7 +4973,7 @@
             </a:pPr>
             <a:r>
               <a:rPr lang="en-GB" dirty="0"/>
-              <a:t>Goal: Ensure reliability in real-world use</a:t>
+              <a:t>Iterate: Retrain and re-evaluate as needed</a:t>
             </a:r>
           </a:p>
           <a:p>
@@ -4920,7 +4984,7 @@
     </p:spTree>
     <p:extLst>
       <p:ext uri="{BB962C8B-B14F-4D97-AF65-F5344CB8AC3E}">
-        <p14:creationId xmlns:p14="http://schemas.microsoft.com/office/powerpoint/2010/main" val="2875748899"/>
+        <p14:creationId xmlns:p14="http://schemas.microsoft.com/office/powerpoint/2010/main" val="1859847628"/>
       </p:ext>
     </p:extLst>
   </p:cSld>
@@ -4952,7 +5016,7 @@
           <p:cNvPr id="2" name="Title 1">
             <a:extLst>
               <a:ext uri="{FF2B5EF4-FFF2-40B4-BE49-F238E27FC236}">
-                <a16:creationId xmlns:a16="http://schemas.microsoft.com/office/drawing/2014/main" id="{DBF015FC-B1F2-B4B0-60C2-8F9C3DABCCD5}"/>
+                <a16:creationId xmlns:a16="http://schemas.microsoft.com/office/drawing/2014/main" id="{AEEC6A4F-D611-9574-251F-6F3AC3DF26C2}"/>
               </a:ext>
             </a:extLst>
           </p:cNvPr>
@@ -4969,9 +5033,10 @@
           <a:lstStyle/>
           <a:p>
             <a:r>
-              <a:rPr lang="en-US" dirty="0"/>
-              <a:t>Best Practices</a:t>
-            </a:r>
+              <a:rPr lang="en-GB" dirty="0"/>
+              <a:t>Step 8 - Deploy and Monitor</a:t>
+            </a:r>
+            <a:endParaRPr lang="en-US" dirty="0"/>
           </a:p>
         </p:txBody>
       </p:sp>
@@ -4980,7 +5045,7 @@
           <p:cNvPr id="3" name="Content Placeholder 2">
             <a:extLst>
               <a:ext uri="{FF2B5EF4-FFF2-40B4-BE49-F238E27FC236}">
-                <a16:creationId xmlns:a16="http://schemas.microsoft.com/office/drawing/2014/main" id="{60862988-BD44-4FD7-388D-DF9A4FD9B2C7}"/>
+                <a16:creationId xmlns:a16="http://schemas.microsoft.com/office/drawing/2014/main" id="{E61BBA5C-A936-54DA-58F7-34C3DCDD3474}"/>
               </a:ext>
             </a:extLst>
           </p:cNvPr>
@@ -4993,9 +5058,7 @@
         </p:nvSpPr>
         <p:spPr/>
         <p:txBody>
-          <a:bodyPr>
-            <a:normAutofit lnSpcReduction="10000"/>
-          </a:bodyPr>
+          <a:bodyPr/>
           <a:lstStyle/>
           <a:p>
             <a:pPr rtl="0">
@@ -5003,8 +5066,8 @@
               <a:buChar char="•"/>
             </a:pPr>
             <a:r>
-              <a:rPr lang="en-US" dirty="0"/>
-              <a:t>Document every step</a:t>
+              <a:rPr lang="en-GB" dirty="0"/>
+              <a:t>Deploy the model</a:t>
             </a:r>
           </a:p>
           <a:p>
@@ -5013,8 +5076,18 @@
               <a:buChar char="•"/>
             </a:pPr>
             <a:r>
-              <a:rPr lang="en-US" dirty="0"/>
-              <a:t>Code, decisions, and results</a:t>
+              <a:rPr lang="en-GB" dirty="0"/>
+              <a:t>Integrate into production systems (e.g., web app, mobile app)</a:t>
+            </a:r>
+          </a:p>
+          <a:p>
+            <a:pPr marL="742950" lvl="1" indent="-285750" rtl="0">
+              <a:buFont typeface="Arial" panose="020B0604020202020204" pitchFamily="34" charset="0"/>
+              <a:buChar char="•"/>
+            </a:pPr>
+            <a:r>
+              <a:rPr lang="en-GB" dirty="0"/>
+              <a:t>Example: API for real-time cancer diagnosis</a:t>
             </a:r>
           </a:p>
           <a:p>
@@ -5023,8 +5096,8 @@
               <a:buChar char="•"/>
             </a:pPr>
             <a:r>
-              <a:rPr lang="en-US" dirty="0"/>
-              <a:t>Use version control</a:t>
+              <a:rPr lang="en-GB" dirty="0"/>
+              <a:t>Monitor performance</a:t>
             </a:r>
           </a:p>
           <a:p>
@@ -5033,8 +5106,8 @@
               <a:buChar char="•"/>
             </a:pPr>
             <a:r>
-              <a:rPr lang="en-US" dirty="0"/>
-              <a:t>Git for code and data versioning</a:t>
+              <a:rPr lang="en-GB" dirty="0"/>
+              <a:t>Track predictions, detect data drift</a:t>
             </a:r>
           </a:p>
           <a:p>
@@ -5043,8 +5116,8 @@
               <a:buChar char="•"/>
             </a:pPr>
             <a:r>
-              <a:rPr lang="en-US" dirty="0"/>
-              <a:t>Ensure reproducibility</a:t>
+              <a:rPr lang="en-GB" dirty="0"/>
+              <a:t>Maintain the model</a:t>
             </a:r>
           </a:p>
           <a:p>
@@ -5053,8 +5126,8 @@
               <a:buChar char="•"/>
             </a:pPr>
             <a:r>
-              <a:rPr lang="en-US" dirty="0"/>
-              <a:t>Set random seeds, save preprocessing steps</a:t>
+              <a:rPr lang="en-GB" dirty="0"/>
+              <a:t>Retrain with new data, update as needed</a:t>
             </a:r>
           </a:p>
           <a:p>
@@ -5063,38 +5136,8 @@
               <a:buChar char="•"/>
             </a:pPr>
             <a:r>
-              <a:rPr lang="en-US" dirty="0"/>
-              <a:t>Collaborate effectively</a:t>
-            </a:r>
-          </a:p>
-          <a:p>
-            <a:pPr marL="742950" lvl="1" indent="-285750" rtl="0">
-              <a:buFont typeface="Arial" panose="020B0604020202020204" pitchFamily="34" charset="0"/>
-              <a:buChar char="•"/>
-            </a:pPr>
-            <a:r>
-              <a:rPr lang="en-US" dirty="0"/>
-              <a:t>Communicate findings with stakeholders</a:t>
-            </a:r>
-          </a:p>
-          <a:p>
-            <a:pPr rtl="0">
-              <a:buFont typeface="Arial" panose="020B0604020202020204" pitchFamily="34" charset="0"/>
-              <a:buChar char="•"/>
-            </a:pPr>
-            <a:r>
-              <a:rPr lang="en-US" dirty="0"/>
-              <a:t>Stay ethical</a:t>
-            </a:r>
-          </a:p>
-          <a:p>
-            <a:pPr marL="742950" lvl="1" indent="-285750" rtl="0">
-              <a:buFont typeface="Arial" panose="020B0604020202020204" pitchFamily="34" charset="0"/>
-              <a:buChar char="•"/>
-            </a:pPr>
-            <a:r>
-              <a:rPr lang="en-US" dirty="0"/>
-              <a:t>Address bias, ensure fairness, protect privacy</a:t>
+              <a:rPr lang="en-GB" dirty="0"/>
+              <a:t>Goal: Ensure reliability in real-world use</a:t>
             </a:r>
           </a:p>
           <a:p>
@@ -5105,7 +5148,7 @@
     </p:spTree>
     <p:extLst>
       <p:ext uri="{BB962C8B-B14F-4D97-AF65-F5344CB8AC3E}">
-        <p14:creationId xmlns:p14="http://schemas.microsoft.com/office/powerpoint/2010/main" val="3455260336"/>
+        <p14:creationId xmlns:p14="http://schemas.microsoft.com/office/powerpoint/2010/main" val="2875748899"/>
       </p:ext>
     </p:extLst>
   </p:cSld>
@@ -5137,7 +5180,7 @@
           <p:cNvPr id="2" name="Title 1">
             <a:extLst>
               <a:ext uri="{FF2B5EF4-FFF2-40B4-BE49-F238E27FC236}">
-                <a16:creationId xmlns:a16="http://schemas.microsoft.com/office/drawing/2014/main" id="{F44A41A8-8B60-C80A-E031-ABC24E660D60}"/>
+                <a16:creationId xmlns:a16="http://schemas.microsoft.com/office/drawing/2014/main" id="{DBF015FC-B1F2-B4B0-60C2-8F9C3DABCCD5}"/>
               </a:ext>
             </a:extLst>
           </p:cNvPr>
@@ -5154,10 +5197,9 @@
           <a:lstStyle/>
           <a:p>
             <a:r>
-              <a:rPr lang="en-GB" dirty="0"/>
-              <a:t>Case Study - Breast Cancer Classification</a:t>
-            </a:r>
-            <a:endParaRPr lang="en-US" dirty="0"/>
+              <a:rPr lang="en-US" dirty="0"/>
+              <a:t>Best Practices</a:t>
+            </a:r>
           </a:p>
         </p:txBody>
       </p:sp>
@@ -5166,7 +5208,7 @@
           <p:cNvPr id="3" name="Content Placeholder 2">
             <a:extLst>
               <a:ext uri="{FF2B5EF4-FFF2-40B4-BE49-F238E27FC236}">
-                <a16:creationId xmlns:a16="http://schemas.microsoft.com/office/drawing/2014/main" id="{0B4B4BEE-8EA8-0445-A2CA-FC8DAEB1AACB}"/>
+                <a16:creationId xmlns:a16="http://schemas.microsoft.com/office/drawing/2014/main" id="{60862988-BD44-4FD7-388D-DF9A4FD9B2C7}"/>
               </a:ext>
             </a:extLst>
           </p:cNvPr>
@@ -5179,7 +5221,9 @@
         </p:nvSpPr>
         <p:spPr/>
         <p:txBody>
-          <a:bodyPr/>
+          <a:bodyPr>
+            <a:normAutofit lnSpcReduction="10000"/>
+          </a:bodyPr>
           <a:lstStyle/>
           <a:p>
             <a:pPr rtl="0">
@@ -5188,7 +5232,17 @@
             </a:pPr>
             <a:r>
               <a:rPr lang="en-US" dirty="0"/>
-              <a:t>Problem: Predict benign/malignant tumors</a:t>
+              <a:t>Document every step</a:t>
+            </a:r>
+          </a:p>
+          <a:p>
+            <a:pPr marL="742950" lvl="1" indent="-285750" rtl="0">
+              <a:buFont typeface="Arial" panose="020B0604020202020204" pitchFamily="34" charset="0"/>
+              <a:buChar char="•"/>
+            </a:pPr>
+            <a:r>
+              <a:rPr lang="en-US" dirty="0"/>
+              <a:t>Code, decisions, and results</a:t>
             </a:r>
           </a:p>
           <a:p>
@@ -5198,15 +5252,17 @@
             </a:pPr>
             <a:r>
               <a:rPr lang="en-US" dirty="0"/>
-              <a:t>Data: </a:t>
-            </a:r>
-            <a:r>
-              <a:rPr lang="en-US" dirty="0" err="1"/>
-              <a:t>sklearn</a:t>
-            </a:r>
+              <a:t>Use version control</a:t>
+            </a:r>
+          </a:p>
+          <a:p>
+            <a:pPr marL="742950" lvl="1" indent="-285750" rtl="0">
+              <a:buFont typeface="Arial" panose="020B0604020202020204" pitchFamily="34" charset="0"/>
+              <a:buChar char="•"/>
+            </a:pPr>
             <a:r>
               <a:rPr lang="en-US" dirty="0"/>
-              <a:t> breast cancer dataset (569 samples, 30 features)</a:t>
+              <a:t>Git for code and data versioning</a:t>
             </a:r>
           </a:p>
           <a:p>
@@ -5216,15 +5272,17 @@
             </a:pPr>
             <a:r>
               <a:rPr lang="en-US" dirty="0"/>
-              <a:t>Preprocessing: </a:t>
-            </a:r>
-            <a:r>
-              <a:rPr lang="en-US" dirty="0" err="1"/>
-              <a:t>StandardScaler</a:t>
-            </a:r>
+              <a:t>Ensure reproducibility</a:t>
+            </a:r>
+          </a:p>
+          <a:p>
+            <a:pPr marL="742950" lvl="1" indent="-285750" rtl="0">
+              <a:buFont typeface="Arial" panose="020B0604020202020204" pitchFamily="34" charset="0"/>
+              <a:buChar char="•"/>
+            </a:pPr>
             <a:r>
               <a:rPr lang="en-US" dirty="0"/>
-              <a:t>, train-test split (80-20)</a:t>
+              <a:t>Set random seeds, save preprocessing steps</a:t>
             </a:r>
           </a:p>
           <a:p>
@@ -5234,15 +5292,17 @@
             </a:pPr>
             <a:r>
               <a:rPr lang="en-US" dirty="0"/>
-              <a:t>Model: </a:t>
-            </a:r>
-            <a:r>
-              <a:rPr lang="en-US" dirty="0" err="1"/>
-              <a:t>BinaryClassifier</a:t>
-            </a:r>
+              <a:t>Collaborate effectively</a:t>
+            </a:r>
+          </a:p>
+          <a:p>
+            <a:pPr marL="742950" lvl="1" indent="-285750" rtl="0">
+              <a:buFont typeface="Arial" panose="020B0604020202020204" pitchFamily="34" charset="0"/>
+              <a:buChar char="•"/>
+            </a:pPr>
             <a:r>
               <a:rPr lang="en-US" dirty="0"/>
-              <a:t> (Neural Network with sigmoid)</a:t>
+              <a:t>Communicate findings with stakeholders</a:t>
             </a:r>
           </a:p>
           <a:p>
@@ -5252,32 +5312,17 @@
             </a:pPr>
             <a:r>
               <a:rPr lang="en-US" dirty="0"/>
-              <a:t>Training: 100 epochs, SGD, </a:t>
-            </a:r>
-            <a:r>
-              <a:rPr lang="en-US" dirty="0" err="1"/>
-              <a:t>BCELoss</a:t>
-            </a:r>
-            <a:endParaRPr lang="en-US" dirty="0"/>
-          </a:p>
-          <a:p>
-            <a:pPr rtl="0">
+              <a:t>Stay ethical</a:t>
+            </a:r>
+          </a:p>
+          <a:p>
+            <a:pPr marL="742950" lvl="1" indent="-285750" rtl="0">
               <a:buFont typeface="Arial" panose="020B0604020202020204" pitchFamily="34" charset="0"/>
               <a:buChar char="•"/>
             </a:pPr>
             <a:r>
               <a:rPr lang="en-US" dirty="0"/>
-              <a:t>Evaluation: Achieved ~95% accuracy on test set</a:t>
-            </a:r>
-          </a:p>
-          <a:p>
-            <a:pPr rtl="0">
-              <a:buFont typeface="Arial" panose="020B0604020202020204" pitchFamily="34" charset="0"/>
-              <a:buChar char="•"/>
-            </a:pPr>
-            <a:r>
-              <a:rPr lang="en-US" dirty="0"/>
-              <a:t>Takeaway: Structured workflow led to reliable results</a:t>
+              <a:t>Address bias, ensure fairness, protect privacy</a:t>
             </a:r>
           </a:p>
           <a:p>
@@ -5288,7 +5333,7 @@
     </p:spTree>
     <p:extLst>
       <p:ext uri="{BB962C8B-B14F-4D97-AF65-F5344CB8AC3E}">
-        <p14:creationId xmlns:p14="http://schemas.microsoft.com/office/powerpoint/2010/main" val="2341961951"/>
+        <p14:creationId xmlns:p14="http://schemas.microsoft.com/office/powerpoint/2010/main" val="3455260336"/>
       </p:ext>
     </p:extLst>
   </p:cSld>
@@ -5320,6 +5365,189 @@
           <p:cNvPr id="2" name="Title 1">
             <a:extLst>
               <a:ext uri="{FF2B5EF4-FFF2-40B4-BE49-F238E27FC236}">
+                <a16:creationId xmlns:a16="http://schemas.microsoft.com/office/drawing/2014/main" id="{F44A41A8-8B60-C80A-E031-ABC24E660D60}"/>
+              </a:ext>
+            </a:extLst>
+          </p:cNvPr>
+          <p:cNvSpPr>
+            <a:spLocks noGrp="1"/>
+          </p:cNvSpPr>
+          <p:nvPr>
+            <p:ph type="title"/>
+          </p:nvPr>
+        </p:nvSpPr>
+        <p:spPr/>
+        <p:txBody>
+          <a:bodyPr/>
+          <a:lstStyle/>
+          <a:p>
+            <a:r>
+              <a:rPr lang="en-GB" dirty="0"/>
+              <a:t>Case Study - Breast Cancer Classification</a:t>
+            </a:r>
+            <a:endParaRPr lang="en-US" dirty="0"/>
+          </a:p>
+        </p:txBody>
+      </p:sp>
+      <p:sp>
+        <p:nvSpPr>
+          <p:cNvPr id="3" name="Content Placeholder 2">
+            <a:extLst>
+              <a:ext uri="{FF2B5EF4-FFF2-40B4-BE49-F238E27FC236}">
+                <a16:creationId xmlns:a16="http://schemas.microsoft.com/office/drawing/2014/main" id="{0B4B4BEE-8EA8-0445-A2CA-FC8DAEB1AACB}"/>
+              </a:ext>
+            </a:extLst>
+          </p:cNvPr>
+          <p:cNvSpPr>
+            <a:spLocks noGrp="1"/>
+          </p:cNvSpPr>
+          <p:nvPr>
+            <p:ph idx="1"/>
+          </p:nvPr>
+        </p:nvSpPr>
+        <p:spPr/>
+        <p:txBody>
+          <a:bodyPr/>
+          <a:lstStyle/>
+          <a:p>
+            <a:pPr rtl="0">
+              <a:buFont typeface="Arial" panose="020B0604020202020204" pitchFamily="34" charset="0"/>
+              <a:buChar char="•"/>
+            </a:pPr>
+            <a:r>
+              <a:rPr lang="en-US" dirty="0"/>
+              <a:t>Problem: Predict benign/malignant tumors</a:t>
+            </a:r>
+          </a:p>
+          <a:p>
+            <a:pPr rtl="0">
+              <a:buFont typeface="Arial" panose="020B0604020202020204" pitchFamily="34" charset="0"/>
+              <a:buChar char="•"/>
+            </a:pPr>
+            <a:r>
+              <a:rPr lang="en-US" dirty="0"/>
+              <a:t>Data: </a:t>
+            </a:r>
+            <a:r>
+              <a:rPr lang="en-US" dirty="0" err="1"/>
+              <a:t>sklearn</a:t>
+            </a:r>
+            <a:r>
+              <a:rPr lang="en-US" dirty="0"/>
+              <a:t> breast cancer dataset (569 samples, 30 features)</a:t>
+            </a:r>
+          </a:p>
+          <a:p>
+            <a:pPr rtl="0">
+              <a:buFont typeface="Arial" panose="020B0604020202020204" pitchFamily="34" charset="0"/>
+              <a:buChar char="•"/>
+            </a:pPr>
+            <a:r>
+              <a:rPr lang="en-US" dirty="0"/>
+              <a:t>Preprocessing: </a:t>
+            </a:r>
+            <a:r>
+              <a:rPr lang="en-US" dirty="0" err="1"/>
+              <a:t>StandardScaler</a:t>
+            </a:r>
+            <a:r>
+              <a:rPr lang="en-US" dirty="0"/>
+              <a:t>, train-test split (80-20)</a:t>
+            </a:r>
+          </a:p>
+          <a:p>
+            <a:pPr rtl="0">
+              <a:buFont typeface="Arial" panose="020B0604020202020204" pitchFamily="34" charset="0"/>
+              <a:buChar char="•"/>
+            </a:pPr>
+            <a:r>
+              <a:rPr lang="en-US" dirty="0"/>
+              <a:t>Model: </a:t>
+            </a:r>
+            <a:r>
+              <a:rPr lang="en-US" dirty="0" err="1"/>
+              <a:t>BinaryClassifier</a:t>
+            </a:r>
+            <a:r>
+              <a:rPr lang="en-US" dirty="0"/>
+              <a:t> (Neural Network with sigmoid)</a:t>
+            </a:r>
+          </a:p>
+          <a:p>
+            <a:pPr rtl="0">
+              <a:buFont typeface="Arial" panose="020B0604020202020204" pitchFamily="34" charset="0"/>
+              <a:buChar char="•"/>
+            </a:pPr>
+            <a:r>
+              <a:rPr lang="en-US" dirty="0"/>
+              <a:t>Training: 100 epochs, SGD, </a:t>
+            </a:r>
+            <a:r>
+              <a:rPr lang="en-US" dirty="0" err="1"/>
+              <a:t>BCELoss</a:t>
+            </a:r>
+            <a:endParaRPr lang="en-US" dirty="0"/>
+          </a:p>
+          <a:p>
+            <a:pPr rtl="0">
+              <a:buFont typeface="Arial" panose="020B0604020202020204" pitchFamily="34" charset="0"/>
+              <a:buChar char="•"/>
+            </a:pPr>
+            <a:r>
+              <a:rPr lang="en-US" dirty="0"/>
+              <a:t>Evaluation: Achieved ~95% accuracy on test set</a:t>
+            </a:r>
+          </a:p>
+          <a:p>
+            <a:pPr rtl="0">
+              <a:buFont typeface="Arial" panose="020B0604020202020204" pitchFamily="34" charset="0"/>
+              <a:buChar char="•"/>
+            </a:pPr>
+            <a:r>
+              <a:rPr lang="en-US" dirty="0"/>
+              <a:t>Takeaway: Structured workflow led to reliable results</a:t>
+            </a:r>
+          </a:p>
+          <a:p>
+            <a:endParaRPr lang="en-US" dirty="0"/>
+          </a:p>
+        </p:txBody>
+      </p:sp>
+    </p:spTree>
+    <p:extLst>
+      <p:ext uri="{BB962C8B-B14F-4D97-AF65-F5344CB8AC3E}">
+        <p14:creationId xmlns:p14="http://schemas.microsoft.com/office/powerpoint/2010/main" val="2341961951"/>
+      </p:ext>
+    </p:extLst>
+  </p:cSld>
+  <p:clrMapOvr>
+    <a:masterClrMapping/>
+  </p:clrMapOvr>
+</p:sld>
+</file>
+
+<file path=ppt/slides/slide14.xml><?xml version="1.0" encoding="utf-8"?>
+<p:sld xmlns:a="http://schemas.openxmlformats.org/drawingml/2006/main" xmlns:r="http://schemas.openxmlformats.org/officeDocument/2006/relationships" xmlns:p="http://schemas.openxmlformats.org/presentationml/2006/main">
+  <p:cSld>
+    <p:spTree>
+      <p:nvGrpSpPr>
+        <p:cNvPr id="1" name=""/>
+        <p:cNvGrpSpPr/>
+        <p:nvPr/>
+      </p:nvGrpSpPr>
+      <p:grpSpPr>
+        <a:xfrm>
+          <a:off x="0" y="0"/>
+          <a:ext cx="0" cy="0"/>
+          <a:chOff x="0" y="0"/>
+          <a:chExt cx="0" cy="0"/>
+        </a:xfrm>
+      </p:grpSpPr>
+      <p:sp>
+        <p:nvSpPr>
+          <p:cNvPr id="2" name="Title 1">
+            <a:extLst>
+              <a:ext uri="{FF2B5EF4-FFF2-40B4-BE49-F238E27FC236}">
                 <a16:creationId xmlns:a16="http://schemas.microsoft.com/office/drawing/2014/main" id="{D2F2FF6F-00D3-1624-6EC5-F5E7606BEEE1}"/>
               </a:ext>
             </a:extLst>
@@ -5461,7 +5689,7 @@
 </p:sld>
 </file>
 
-<file path=ppt/slides/slide14.xml><?xml version="1.0" encoding="utf-8"?>
+<file path=ppt/slides/slide15.xml><?xml version="1.0" encoding="utf-8"?>
 <p:sld xmlns:a="http://schemas.openxmlformats.org/drawingml/2006/main" xmlns:r="http://schemas.openxmlformats.org/officeDocument/2006/relationships" xmlns:p="http://schemas.openxmlformats.org/presentationml/2006/main">
   <p:cSld>
     <p:spTree>
@@ -5659,7 +5887,7 @@
 </p:sld>
 </file>
 
-<file path=ppt/slides/slide15.xml><?xml version="1.0" encoding="utf-8"?>
+<file path=ppt/slides/slide16.xml><?xml version="1.0" encoding="utf-8"?>
 <p:sld xmlns:a="http://schemas.openxmlformats.org/drawingml/2006/main" xmlns:r="http://schemas.openxmlformats.org/officeDocument/2006/relationships" xmlns:p="http://schemas.openxmlformats.org/presentationml/2006/main">
   <p:cSld>
     <p:spTree>
@@ -6231,9 +6459,16 @@
             <p:ph idx="1"/>
           </p:nvPr>
         </p:nvSpPr>
-        <p:spPr/>
-        <p:txBody>
-          <a:bodyPr/>
+        <p:spPr>
+          <a:xfrm>
+            <a:off x="838201" y="1825625"/>
+            <a:ext cx="6897130" cy="4351338"/>
+          </a:xfrm>
+        </p:spPr>
+        <p:txBody>
+          <a:bodyPr>
+            <a:normAutofit fontScale="85000" lnSpcReduction="10000"/>
+          </a:bodyPr>
           <a:lstStyle/>
           <a:p>
             <a:pPr rtl="0">
@@ -6342,33 +6577,92 @@
       </p:sp>
       <p:pic>
         <p:nvPicPr>
-          <p:cNvPr id="5" name="Picture 4">
+          <p:cNvPr id="4" name="Picture 2" descr="What normalized data looks like (Image by Author)">
             <a:extLst>
               <a:ext uri="{FF2B5EF4-FFF2-40B4-BE49-F238E27FC236}">
-                <a16:creationId xmlns:a16="http://schemas.microsoft.com/office/drawing/2014/main" id="{C9283F90-D440-3130-5B88-27E7B23BE9ED}"/>
+                <a16:creationId xmlns:a16="http://schemas.microsoft.com/office/drawing/2014/main" id="{3CD39D91-B91A-655F-C9B4-E6CFEADED1E6}"/>
               </a:ext>
             </a:extLst>
           </p:cNvPr>
           <p:cNvPicPr>
-            <a:picLocks noChangeAspect="1"/>
+            <a:picLocks noChangeAspect="1" noChangeArrowheads="1"/>
           </p:cNvPicPr>
           <p:nvPr/>
         </p:nvPicPr>
         <p:blipFill>
-          <a:blip r:embed="rId2"/>
-          <a:srcRect l="53001" b="72264"/>
-          <a:stretch/>
+          <a:blip r:embed="rId2">
+            <a:extLst>
+              <a:ext uri="{28A0092B-C50C-407E-A947-70E740481C1C}">
+                <a14:useLocalDpi xmlns:a14="http://schemas.microsoft.com/office/drawing/2010/main" val="0"/>
+              </a:ext>
+            </a:extLst>
+          </a:blip>
+          <a:srcRect/>
+          <a:stretch>
+            <a:fillRect/>
+          </a:stretch>
         </p:blipFill>
-        <p:spPr>
+        <p:spPr bwMode="auto">
           <a:xfrm>
-            <a:off x="3673229" y="3087078"/>
-            <a:ext cx="1867877" cy="468922"/>
+            <a:off x="8289264" y="2350358"/>
+            <a:ext cx="3398167" cy="2894977"/>
           </a:xfrm>
           <a:prstGeom prst="rect">
             <a:avLst/>
           </a:prstGeom>
+          <a:noFill/>
+          <a:extLst>
+            <a:ext uri="{909E8E84-426E-40DD-AFC4-6F175D3DCCD1}">
+              <a14:hiddenFill xmlns:a14="http://schemas.microsoft.com/office/drawing/2010/main">
+                <a:solidFill>
+                  <a:srgbClr val="FFFFFF"/>
+                </a:solidFill>
+              </a14:hiddenFill>
+            </a:ext>
+          </a:extLst>
         </p:spPr>
       </p:pic>
+      <p:cxnSp>
+        <p:nvCxnSpPr>
+          <p:cNvPr id="7" name="Straight Arrow Connector 6">
+            <a:extLst>
+              <a:ext uri="{FF2B5EF4-FFF2-40B4-BE49-F238E27FC236}">
+                <a16:creationId xmlns:a16="http://schemas.microsoft.com/office/drawing/2014/main" id="{3CF8EF30-A3B6-523C-B770-7F69DFE68815}"/>
+              </a:ext>
+            </a:extLst>
+          </p:cNvPr>
+          <p:cNvCxnSpPr>
+            <a:cxnSpLocks/>
+          </p:cNvCxnSpPr>
+          <p:nvPr/>
+        </p:nvCxnSpPr>
+        <p:spPr>
+          <a:xfrm>
+            <a:off x="7584141" y="3675529"/>
+            <a:ext cx="905435" cy="122317"/>
+          </a:xfrm>
+          <a:prstGeom prst="straightConnector1">
+            <a:avLst/>
+          </a:prstGeom>
+          <a:ln>
+            <a:tailEnd type="triangle"/>
+          </a:ln>
+        </p:spPr>
+        <p:style>
+          <a:lnRef idx="1">
+            <a:schemeClr val="accent2"/>
+          </a:lnRef>
+          <a:fillRef idx="0">
+            <a:schemeClr val="accent2"/>
+          </a:fillRef>
+          <a:effectRef idx="0">
+            <a:schemeClr val="accent2"/>
+          </a:effectRef>
+          <a:fontRef idx="minor">
+            <a:schemeClr val="tx1"/>
+          </a:fontRef>
+        </p:style>
+      </p:cxnSp>
     </p:spTree>
     <p:extLst>
       <p:ext uri="{BB962C8B-B14F-4D97-AF65-F5344CB8AC3E}">
@@ -6401,10 +6695,10 @@
       </p:grpSpPr>
       <p:sp>
         <p:nvSpPr>
-          <p:cNvPr id="2" name="Title 1">
+          <p:cNvPr id="4" name="Title 3">
             <a:extLst>
               <a:ext uri="{FF2B5EF4-FFF2-40B4-BE49-F238E27FC236}">
-                <a16:creationId xmlns:a16="http://schemas.microsoft.com/office/drawing/2014/main" id="{22F4E845-2C82-0F6A-CCBA-7AB4DB8FAF23}"/>
+                <a16:creationId xmlns:a16="http://schemas.microsoft.com/office/drawing/2014/main" id="{8A50DB89-3275-89D1-D1DF-59F2CBB77D05}"/>
               </a:ext>
             </a:extLst>
           </p:cNvPr>
@@ -6421,19 +6715,18 @@
           <a:lstStyle/>
           <a:p>
             <a:r>
-              <a:rPr lang="en-GB" dirty="0"/>
-              <a:t>Step 4 - Choose a Model</a:t>
-            </a:r>
-            <a:endParaRPr lang="en-US" dirty="0"/>
-          </a:p>
-        </p:txBody>
-      </p:sp>
-      <p:sp>
-        <p:nvSpPr>
-          <p:cNvPr id="3" name="Content Placeholder 2">
+              <a:rPr lang="en-US" dirty="0"/>
+              <a:t>Why Normalization</a:t>
+            </a:r>
+          </a:p>
+        </p:txBody>
+      </p:sp>
+      <p:sp>
+        <p:nvSpPr>
+          <p:cNvPr id="6" name="Content Placeholder 5">
             <a:extLst>
               <a:ext uri="{FF2B5EF4-FFF2-40B4-BE49-F238E27FC236}">
-                <a16:creationId xmlns:a16="http://schemas.microsoft.com/office/drawing/2014/main" id="{6E1CABE2-6BEB-59B3-B43B-DEDAF7D81409}"/>
+                <a16:creationId xmlns:a16="http://schemas.microsoft.com/office/drawing/2014/main" id="{F0FF6C0B-5FD1-6159-F496-34C3D4010FBD}"/>
               </a:ext>
             </a:extLst>
           </p:cNvPr>
@@ -6446,102 +6739,117 @@
         </p:nvSpPr>
         <p:spPr/>
         <p:txBody>
-          <a:bodyPr/>
+          <a:bodyPr>
+            <a:normAutofit/>
+          </a:bodyPr>
           <a:lstStyle/>
           <a:p>
-            <a:pPr rtl="0">
-              <a:buFont typeface="Arial" panose="020B0604020202020204" pitchFamily="34" charset="0"/>
-              <a:buChar char="•"/>
-            </a:pPr>
-            <a:r>
-              <a:rPr lang="en-US" dirty="0"/>
-              <a:t>Select an algorithm based on the problem</a:t>
-            </a:r>
-          </a:p>
-          <a:p>
-            <a:pPr marL="742950" lvl="1" indent="-285750" rtl="0">
-              <a:buFont typeface="Arial" panose="020B0604020202020204" pitchFamily="34" charset="0"/>
-              <a:buChar char="•"/>
-            </a:pPr>
-            <a:r>
-              <a:rPr lang="en-US" dirty="0"/>
-              <a:t>Classification: Logistic Regression, SVM, Neural Networks</a:t>
-            </a:r>
-          </a:p>
-          <a:p>
-            <a:pPr marL="742950" lvl="1" indent="-285750" rtl="0">
-              <a:buFont typeface="Arial" panose="020B0604020202020204" pitchFamily="34" charset="0"/>
-              <a:buChar char="•"/>
-            </a:pPr>
-            <a:r>
-              <a:rPr lang="en-US" dirty="0"/>
-              <a:t>Regression: Linear Regression, Random Forest</a:t>
-            </a:r>
-          </a:p>
-          <a:p>
-            <a:pPr marL="742950" lvl="1" indent="-285750" rtl="0">
-              <a:buFont typeface="Arial" panose="020B0604020202020204" pitchFamily="34" charset="0"/>
-              <a:buChar char="•"/>
-            </a:pPr>
-            <a:r>
-              <a:rPr lang="en-US" dirty="0"/>
-              <a:t>Clustering: K-Means, DBSCAN</a:t>
-            </a:r>
-          </a:p>
-          <a:p>
-            <a:pPr rtl="0">
-              <a:buFont typeface="Arial" panose="020B0604020202020204" pitchFamily="34" charset="0"/>
-              <a:buChar char="•"/>
-            </a:pPr>
-            <a:r>
-              <a:rPr lang="en-US" dirty="0"/>
-              <a:t>Consider trade-offs</a:t>
-            </a:r>
-          </a:p>
-          <a:p>
-            <a:pPr marL="742950" lvl="1" indent="-285750" rtl="0">
-              <a:buFont typeface="Arial" panose="020B0604020202020204" pitchFamily="34" charset="0"/>
-              <a:buChar char="•"/>
-            </a:pPr>
-            <a:r>
-              <a:rPr lang="en-US" dirty="0"/>
-              <a:t>Interpretability vs. performance</a:t>
-            </a:r>
-          </a:p>
-          <a:p>
-            <a:pPr marL="742950" lvl="1" indent="-285750" rtl="0">
-              <a:buFont typeface="Arial" panose="020B0604020202020204" pitchFamily="34" charset="0"/>
-              <a:buChar char="•"/>
-            </a:pPr>
-            <a:r>
-              <a:rPr lang="en-US" dirty="0"/>
-              <a:t>Computational resources</a:t>
-            </a:r>
-          </a:p>
-          <a:p>
-            <a:pPr rtl="0">
-              <a:buFont typeface="Arial" panose="020B0604020202020204" pitchFamily="34" charset="0"/>
-              <a:buChar char="•"/>
-            </a:pPr>
-            <a:r>
-              <a:rPr lang="en-US" dirty="0"/>
-              <a:t>Example: </a:t>
-            </a:r>
-            <a:r>
-              <a:rPr lang="en-US" dirty="0" err="1"/>
-              <a:t>BinaryClassifier</a:t>
-            </a:r>
-            <a:r>
-              <a:rPr lang="en-US" dirty="0"/>
-              <a:t> (Neural Network) for breast cancer</a:t>
-            </a:r>
-          </a:p>
-        </p:txBody>
-      </p:sp>
+            <a:r>
+              <a:rPr lang="en-GB" b="1" dirty="0"/>
+              <a:t>Problem</a:t>
+            </a:r>
+            <a:r>
+              <a:rPr lang="en-GB" dirty="0"/>
+              <a:t>: Features on Different Scales</a:t>
+            </a:r>
+          </a:p>
+          <a:p>
+            <a:r>
+              <a:rPr lang="en-GB" b="1" dirty="0"/>
+              <a:t>Example</a:t>
+            </a:r>
+            <a:r>
+              <a:rPr lang="en-GB" dirty="0"/>
+              <a:t>:</a:t>
+            </a:r>
+          </a:p>
+          <a:p>
+            <a:pPr lvl="1"/>
+            <a:r>
+              <a:rPr lang="en-GB" dirty="0"/>
+              <a:t>Homework is on a 0–100 scale</a:t>
+            </a:r>
+          </a:p>
+          <a:p>
+            <a:pPr lvl="1"/>
+            <a:r>
+              <a:rPr lang="en-GB" dirty="0"/>
+              <a:t>Quizzes are 0–10</a:t>
+            </a:r>
+          </a:p>
+          <a:p>
+            <a:pPr lvl="1"/>
+            <a:r>
+              <a:rPr lang="en-GB" dirty="0"/>
+              <a:t>Participation is 0–1</a:t>
+            </a:r>
+          </a:p>
+          <a:p>
+            <a:r>
+              <a:rPr lang="en-GB" dirty="0"/>
+              <a:t>The model's weights may over-focus on homework, since it's numerically dominant.</a:t>
+            </a:r>
+          </a:p>
+          <a:p>
+            <a:r>
+              <a:rPr lang="en-GB" dirty="0"/>
+              <a:t>Even if participation is more important, the model won’t see it clearly until it learns to scale features properly — which takes time.</a:t>
+            </a:r>
+            <a:endParaRPr lang="en-US" dirty="0"/>
+          </a:p>
+        </p:txBody>
+      </p:sp>
+      <p:pic>
+        <p:nvPicPr>
+          <p:cNvPr id="5" name="Picture 2" descr="What normalized data looks like (Image by Author)">
+            <a:extLst>
+              <a:ext uri="{FF2B5EF4-FFF2-40B4-BE49-F238E27FC236}">
+                <a16:creationId xmlns:a16="http://schemas.microsoft.com/office/drawing/2014/main" id="{9F3EA8F2-A4A2-57B9-104A-5607C1F02E9E}"/>
+              </a:ext>
+            </a:extLst>
+          </p:cNvPr>
+          <p:cNvPicPr>
+            <a:picLocks noChangeAspect="1" noChangeArrowheads="1"/>
+          </p:cNvPicPr>
+          <p:nvPr/>
+        </p:nvPicPr>
+        <p:blipFill>
+          <a:blip r:embed="rId2">
+            <a:extLst>
+              <a:ext uri="{28A0092B-C50C-407E-A947-70E740481C1C}">
+                <a14:useLocalDpi xmlns:a14="http://schemas.microsoft.com/office/drawing/2010/main" val="0"/>
+              </a:ext>
+            </a:extLst>
+          </a:blip>
+          <a:srcRect/>
+          <a:stretch>
+            <a:fillRect/>
+          </a:stretch>
+        </p:blipFill>
+        <p:spPr bwMode="auto">
+          <a:xfrm>
+            <a:off x="9780495" y="267699"/>
+            <a:ext cx="2010420" cy="1712723"/>
+          </a:xfrm>
+          <a:prstGeom prst="rect">
+            <a:avLst/>
+          </a:prstGeom>
+          <a:noFill/>
+          <a:extLst>
+            <a:ext uri="{909E8E84-426E-40DD-AFC4-6F175D3DCCD1}">
+              <a14:hiddenFill xmlns:a14="http://schemas.microsoft.com/office/drawing/2010/main">
+                <a:solidFill>
+                  <a:srgbClr val="FFFFFF"/>
+                </a:solidFill>
+              </a14:hiddenFill>
+            </a:ext>
+          </a:extLst>
+        </p:spPr>
+      </p:pic>
     </p:spTree>
     <p:extLst>
       <p:ext uri="{BB962C8B-B14F-4D97-AF65-F5344CB8AC3E}">
-        <p14:creationId xmlns:p14="http://schemas.microsoft.com/office/powerpoint/2010/main" val="805984163"/>
+        <p14:creationId xmlns:p14="http://schemas.microsoft.com/office/powerpoint/2010/main" val="3037065150"/>
       </p:ext>
     </p:extLst>
   </p:cSld>
@@ -6573,7 +6881,7 @@
           <p:cNvPr id="2" name="Title 1">
             <a:extLst>
               <a:ext uri="{FF2B5EF4-FFF2-40B4-BE49-F238E27FC236}">
-                <a16:creationId xmlns:a16="http://schemas.microsoft.com/office/drawing/2014/main" id="{AE412169-E0B8-7BCB-63E8-B70134D68751}"/>
+                <a16:creationId xmlns:a16="http://schemas.microsoft.com/office/drawing/2014/main" id="{22F4E845-2C82-0F6A-CCBA-7AB4DB8FAF23}"/>
               </a:ext>
             </a:extLst>
           </p:cNvPr>
@@ -6591,7 +6899,7 @@
           <a:p>
             <a:r>
               <a:rPr lang="en-GB" dirty="0"/>
-              <a:t>Step 5 - Train the Model</a:t>
+              <a:t>Step 4 - Choose a Model</a:t>
             </a:r>
             <a:endParaRPr lang="en-US" dirty="0"/>
           </a:p>
@@ -6602,7 +6910,7 @@
           <p:cNvPr id="3" name="Content Placeholder 2">
             <a:extLst>
               <a:ext uri="{FF2B5EF4-FFF2-40B4-BE49-F238E27FC236}">
-                <a16:creationId xmlns:a16="http://schemas.microsoft.com/office/drawing/2014/main" id="{D2E67B60-FA13-8A98-4451-BAC4FD098743}"/>
+                <a16:creationId xmlns:a16="http://schemas.microsoft.com/office/drawing/2014/main" id="{6E1CABE2-6BEB-59B3-B43B-DEDAF7D81409}"/>
               </a:ext>
             </a:extLst>
           </p:cNvPr>
@@ -6624,7 +6932,37 @@
             </a:pPr>
             <a:r>
               <a:rPr lang="en-US" dirty="0"/>
-              <a:t>Feed training data to the model</a:t>
+              <a:t>Select an algorithm based on the problem</a:t>
+            </a:r>
+          </a:p>
+          <a:p>
+            <a:pPr marL="742950" lvl="1" indent="-285750" rtl="0">
+              <a:buFont typeface="Arial" panose="020B0604020202020204" pitchFamily="34" charset="0"/>
+              <a:buChar char="•"/>
+            </a:pPr>
+            <a:r>
+              <a:rPr lang="en-US" dirty="0"/>
+              <a:t>Classification: Logistic Regression, SVM, Neural Networks</a:t>
+            </a:r>
+          </a:p>
+          <a:p>
+            <a:pPr marL="742950" lvl="1" indent="-285750" rtl="0">
+              <a:buFont typeface="Arial" panose="020B0604020202020204" pitchFamily="34" charset="0"/>
+              <a:buChar char="•"/>
+            </a:pPr>
+            <a:r>
+              <a:rPr lang="en-US" dirty="0"/>
+              <a:t>Regression: Linear Regression, Random Forest</a:t>
+            </a:r>
+          </a:p>
+          <a:p>
+            <a:pPr marL="742950" lvl="1" indent="-285750" rtl="0">
+              <a:buFont typeface="Arial" panose="020B0604020202020204" pitchFamily="34" charset="0"/>
+              <a:buChar char="•"/>
+            </a:pPr>
+            <a:r>
+              <a:rPr lang="en-US" dirty="0"/>
+              <a:t>Clustering: K-Means, DBSCAN</a:t>
             </a:r>
           </a:p>
           <a:p>
@@ -6634,7 +6972,7 @@
             </a:pPr>
             <a:r>
               <a:rPr lang="en-US" dirty="0"/>
-              <a:t>Optimize model parameters</a:t>
+              <a:t>Consider trade-offs</a:t>
             </a:r>
           </a:p>
           <a:p>
@@ -6644,7 +6982,7 @@
             </a:pPr>
             <a:r>
               <a:rPr lang="en-US" dirty="0"/>
-              <a:t>Use loss functions (e.g., Binary Cross-Entropy Loss)</a:t>
+              <a:t>Interpretability vs. performance</a:t>
             </a:r>
           </a:p>
           <a:p>
@@ -6654,7 +6992,7 @@
             </a:pPr>
             <a:r>
               <a:rPr lang="en-US" dirty="0"/>
-              <a:t>Apply optimization algorithms (e.g., SGD, Adam)</a:t>
+              <a:t>Computational resources</a:t>
             </a:r>
           </a:p>
           <a:p>
@@ -6664,48 +7002,23 @@
             </a:pPr>
             <a:r>
               <a:rPr lang="en-US" dirty="0"/>
-              <a:t>Monitor training</a:t>
-            </a:r>
-          </a:p>
-          <a:p>
-            <a:pPr marL="742950" lvl="1" indent="-285750" rtl="0">
-              <a:buFont typeface="Arial" panose="020B0604020202020204" pitchFamily="34" charset="0"/>
-              <a:buChar char="•"/>
-            </a:pPr>
+              <a:t>Example: </a:t>
+            </a:r>
+            <a:r>
+              <a:rPr lang="en-US" dirty="0" err="1"/>
+              <a:t>BinaryClassifier</a:t>
+            </a:r>
             <a:r>
               <a:rPr lang="en-US" dirty="0"/>
-              <a:t>Track loss and metrics over epochs</a:t>
-            </a:r>
-          </a:p>
-          <a:p>
-            <a:pPr marL="742950" lvl="1" indent="-285750" rtl="0">
-              <a:buFont typeface="Arial" panose="020B0604020202020204" pitchFamily="34" charset="0"/>
-              <a:buChar char="•"/>
-            </a:pPr>
-            <a:r>
-              <a:rPr lang="en-US" dirty="0"/>
-              <a:t>Example: Print loss every 10 epochs</a:t>
-            </a:r>
-          </a:p>
-          <a:p>
-            <a:pPr rtl="0">
-              <a:buFont typeface="Arial" panose="020B0604020202020204" pitchFamily="34" charset="0"/>
-              <a:buChar char="•"/>
-            </a:pPr>
-            <a:r>
-              <a:rPr lang="en-US" dirty="0"/>
-              <a:t>Goal: Minimize error on training data</a:t>
-            </a:r>
-          </a:p>
-          <a:p>
-            <a:endParaRPr lang="en-US" dirty="0"/>
+              <a:t> (Neural Network) for breast cancer</a:t>
+            </a:r>
           </a:p>
         </p:txBody>
       </p:sp>
     </p:spTree>
     <p:extLst>
       <p:ext uri="{BB962C8B-B14F-4D97-AF65-F5344CB8AC3E}">
-        <p14:creationId xmlns:p14="http://schemas.microsoft.com/office/powerpoint/2010/main" val="914522820"/>
+        <p14:creationId xmlns:p14="http://schemas.microsoft.com/office/powerpoint/2010/main" val="805984163"/>
       </p:ext>
     </p:extLst>
   </p:cSld>
@@ -6737,7 +7050,7 @@
           <p:cNvPr id="2" name="Title 1">
             <a:extLst>
               <a:ext uri="{FF2B5EF4-FFF2-40B4-BE49-F238E27FC236}">
-                <a16:creationId xmlns:a16="http://schemas.microsoft.com/office/drawing/2014/main" id="{17A1E9EA-3188-F6FE-7169-7880E7BB0AEC}"/>
+                <a16:creationId xmlns:a16="http://schemas.microsoft.com/office/drawing/2014/main" id="{AE412169-E0B8-7BCB-63E8-B70134D68751}"/>
               </a:ext>
             </a:extLst>
           </p:cNvPr>
@@ -6755,7 +7068,7 @@
           <a:p>
             <a:r>
               <a:rPr lang="en-GB" dirty="0"/>
-              <a:t>Step 6 - Evaluate the Model</a:t>
+              <a:t>Step 5 - Train the Model</a:t>
             </a:r>
             <a:endParaRPr lang="en-US" dirty="0"/>
           </a:p>
@@ -6766,7 +7079,7 @@
           <p:cNvPr id="3" name="Content Placeholder 2">
             <a:extLst>
               <a:ext uri="{FF2B5EF4-FFF2-40B4-BE49-F238E27FC236}">
-                <a16:creationId xmlns:a16="http://schemas.microsoft.com/office/drawing/2014/main" id="{C6092818-8797-D095-7FB1-752C788E5E03}"/>
+                <a16:creationId xmlns:a16="http://schemas.microsoft.com/office/drawing/2014/main" id="{D2E67B60-FA13-8A98-4451-BAC4FD098743}"/>
               </a:ext>
             </a:extLst>
           </p:cNvPr>
@@ -6788,7 +7101,7 @@
             </a:pPr>
             <a:r>
               <a:rPr lang="en-US" dirty="0"/>
-              <a:t>Test the model on unseen data (test set)</a:t>
+              <a:t>Feed training data to the model</a:t>
             </a:r>
           </a:p>
           <a:p>
@@ -6798,7 +7111,7 @@
             </a:pPr>
             <a:r>
               <a:rPr lang="en-US" dirty="0"/>
-              <a:t>Calculate performance metrics</a:t>
+              <a:t>Optimize model parameters</a:t>
             </a:r>
           </a:p>
           <a:p>
@@ -6808,7 +7121,7 @@
             </a:pPr>
             <a:r>
               <a:rPr lang="en-US" dirty="0"/>
-              <a:t>Accuracy, precision, recall, F1-score, etc.</a:t>
+              <a:t>Use loss functions (e.g., Binary Cross-Entropy Loss)</a:t>
             </a:r>
           </a:p>
           <a:p>
@@ -6818,7 +7131,7 @@
             </a:pPr>
             <a:r>
               <a:rPr lang="en-US" dirty="0"/>
-              <a:t>Example: Accuracy = (Correct Predictions) / (Total Predictions)</a:t>
+              <a:t>Apply optimization algorithms (e.g., SGD, Adam)</a:t>
             </a:r>
           </a:p>
           <a:p>
@@ -6828,7 +7141,7 @@
             </a:pPr>
             <a:r>
               <a:rPr lang="en-US" dirty="0"/>
-              <a:t>Analyze errors</a:t>
+              <a:t>Monitor training</a:t>
             </a:r>
           </a:p>
           <a:p>
@@ -6838,7 +7151,17 @@
             </a:pPr>
             <a:r>
               <a:rPr lang="en-US" dirty="0"/>
-              <a:t>Confusion matrix, ROC curve</a:t>
+              <a:t>Track loss and metrics over epochs</a:t>
+            </a:r>
+          </a:p>
+          <a:p>
+            <a:pPr marL="742950" lvl="1" indent="-285750" rtl="0">
+              <a:buFont typeface="Arial" panose="020B0604020202020204" pitchFamily="34" charset="0"/>
+              <a:buChar char="•"/>
+            </a:pPr>
+            <a:r>
+              <a:rPr lang="en-US" dirty="0"/>
+              <a:t>Example: Print loss every 10 epochs</a:t>
             </a:r>
           </a:p>
           <a:p>
@@ -6848,7 +7171,7 @@
             </a:pPr>
             <a:r>
               <a:rPr lang="en-US" dirty="0"/>
-              <a:t>Key Question: Does the model generalize well?</a:t>
+              <a:t>Goal: Minimize error on training data</a:t>
             </a:r>
           </a:p>
           <a:p>
@@ -6859,7 +7182,7 @@
     </p:spTree>
     <p:extLst>
       <p:ext uri="{BB962C8B-B14F-4D97-AF65-F5344CB8AC3E}">
-        <p14:creationId xmlns:p14="http://schemas.microsoft.com/office/powerpoint/2010/main" val="3784490461"/>
+        <p14:creationId xmlns:p14="http://schemas.microsoft.com/office/powerpoint/2010/main" val="914522820"/>
       </p:ext>
     </p:extLst>
   </p:cSld>
@@ -6891,7 +7214,7 @@
           <p:cNvPr id="2" name="Title 1">
             <a:extLst>
               <a:ext uri="{FF2B5EF4-FFF2-40B4-BE49-F238E27FC236}">
-                <a16:creationId xmlns:a16="http://schemas.microsoft.com/office/drawing/2014/main" id="{6D4F43EA-2007-B207-DD77-15D8A22C55FE}"/>
+                <a16:creationId xmlns:a16="http://schemas.microsoft.com/office/drawing/2014/main" id="{17A1E9EA-3188-F6FE-7169-7880E7BB0AEC}"/>
               </a:ext>
             </a:extLst>
           </p:cNvPr>
@@ -6909,7 +7232,7 @@
           <a:p>
             <a:r>
               <a:rPr lang="en-GB" dirty="0"/>
-              <a:t>Step 7 - Tune and Improve</a:t>
+              <a:t>Step 6 - Evaluate the Model</a:t>
             </a:r>
             <a:endParaRPr lang="en-US" dirty="0"/>
           </a:p>
@@ -6920,7 +7243,7 @@
           <p:cNvPr id="3" name="Content Placeholder 2">
             <a:extLst>
               <a:ext uri="{FF2B5EF4-FFF2-40B4-BE49-F238E27FC236}">
-                <a16:creationId xmlns:a16="http://schemas.microsoft.com/office/drawing/2014/main" id="{B554FC04-768B-6611-B3C3-72F571FD329D}"/>
+                <a16:creationId xmlns:a16="http://schemas.microsoft.com/office/drawing/2014/main" id="{C6092818-8797-D095-7FB1-752C788E5E03}"/>
               </a:ext>
             </a:extLst>
           </p:cNvPr>
@@ -6941,8 +7264,18 @@
               <a:buChar char="•"/>
             </a:pPr>
             <a:r>
-              <a:rPr lang="en-GB" dirty="0"/>
-              <a:t>Hyperparameter Tuning</a:t>
+              <a:rPr lang="en-US" dirty="0"/>
+              <a:t>Test the model on unseen data (test set)</a:t>
+            </a:r>
+          </a:p>
+          <a:p>
+            <a:pPr rtl="0">
+              <a:buFont typeface="Arial" panose="020B0604020202020204" pitchFamily="34" charset="0"/>
+              <a:buChar char="•"/>
+            </a:pPr>
+            <a:r>
+              <a:rPr lang="en-US" dirty="0"/>
+              <a:t>Calculate performance metrics</a:t>
             </a:r>
           </a:p>
           <a:p>
@@ -6951,8 +7284,8 @@
               <a:buChar char="•"/>
             </a:pPr>
             <a:r>
-              <a:rPr lang="en-GB" dirty="0"/>
-              <a:t>Adjust learning rate, number of epochs, model architecture</a:t>
+              <a:rPr lang="en-US" dirty="0"/>
+              <a:t>Accuracy, precision, recall, F1-score, etc.</a:t>
             </a:r>
           </a:p>
           <a:p>
@@ -6961,8 +7294,8 @@
               <a:buChar char="•"/>
             </a:pPr>
             <a:r>
-              <a:rPr lang="en-GB" dirty="0"/>
-              <a:t>Use grid search or random search</a:t>
+              <a:rPr lang="en-US" dirty="0"/>
+              <a:t>Example: Accuracy = (Correct Predictions) / (Total Predictions)</a:t>
             </a:r>
           </a:p>
           <a:p>
@@ -6971,8 +7304,8 @@
               <a:buChar char="•"/>
             </a:pPr>
             <a:r>
-              <a:rPr lang="en-GB" dirty="0"/>
-              <a:t>Address Overfitting</a:t>
+              <a:rPr lang="en-US" dirty="0"/>
+              <a:t>Analyze errors</a:t>
             </a:r>
           </a:p>
           <a:p>
@@ -6981,8 +7314,8 @@
               <a:buChar char="•"/>
             </a:pPr>
             <a:r>
-              <a:rPr lang="en-GB" dirty="0"/>
-              <a:t>Regularization, dropout, simpler models</a:t>
+              <a:rPr lang="en-US" dirty="0"/>
+              <a:t>Confusion matrix, ROC curve</a:t>
             </a:r>
           </a:p>
           <a:p>
@@ -6991,28 +7324,8 @@
               <a:buChar char="•"/>
             </a:pPr>
             <a:r>
-              <a:rPr lang="en-GB" dirty="0"/>
-              <a:t>Feature Selection</a:t>
-            </a:r>
-          </a:p>
-          <a:p>
-            <a:pPr marL="742950" lvl="1" indent="-285750" rtl="0">
-              <a:buFont typeface="Arial" panose="020B0604020202020204" pitchFamily="34" charset="0"/>
-              <a:buChar char="•"/>
-            </a:pPr>
-            <a:r>
-              <a:rPr lang="en-GB" dirty="0"/>
-              <a:t>Remove irrelevant or redundant features</a:t>
-            </a:r>
-          </a:p>
-          <a:p>
-            <a:pPr rtl="0">
-              <a:buFont typeface="Arial" panose="020B0604020202020204" pitchFamily="34" charset="0"/>
-              <a:buChar char="•"/>
-            </a:pPr>
-            <a:r>
-              <a:rPr lang="en-GB" dirty="0"/>
-              <a:t>Iterate: Retrain and re-evaluate as needed</a:t>
+              <a:rPr lang="en-US" dirty="0"/>
+              <a:t>Key Question: Does the model generalize well?</a:t>
             </a:r>
           </a:p>
           <a:p>
@@ -7023,7 +7336,7 @@
     </p:spTree>
     <p:extLst>
       <p:ext uri="{BB962C8B-B14F-4D97-AF65-F5344CB8AC3E}">
-        <p14:creationId xmlns:p14="http://schemas.microsoft.com/office/powerpoint/2010/main" val="1859847628"/>
+        <p14:creationId xmlns:p14="http://schemas.microsoft.com/office/powerpoint/2010/main" val="3784490461"/>
       </p:ext>
     </p:extLst>
   </p:cSld>
